--- a/03 mock-data.pptx
+++ b/03 mock-data.pptx
@@ -259,7 +259,7 @@
               <a:rPr lang="en-US" smtClean="0">
                 <a:latin typeface="Segoe UI" pitchFamily="34" charset="0"/>
               </a:rPr>
-              <a:t>12/14/18 9:44 AM</a:t>
+              <a:t>12/20/18 12:43 PM</a:t>
             </a:fld>
             <a:endParaRPr lang="en-US" dirty="0">
               <a:latin typeface="Segoe UI" pitchFamily="34" charset="0"/>
@@ -553,7 +553,7 @@
           <a:p>
             <a:fld id="{D18B56EA-E28F-4F92-9F16-7A6F2501B303}" type="datetime8">
               <a:rPr lang="en-US" smtClean="0"/>
-              <a:t>12/14/18 9:44 AM</a:t>
+              <a:t>12/20/18 12:43 PM</a:t>
             </a:fld>
             <a:endParaRPr lang="en-US" dirty="0"/>
           </a:p>
@@ -936,7 +936,7 @@
           <a:p>
             <a:fld id="{D18B56EA-E28F-4F92-9F16-7A6F2501B303}" type="datetime8">
               <a:rPr lang="en-US" smtClean="0"/>
-              <a:t>12/14/18 12:12 PM</a:t>
+              <a:t>12/20/18 12:43 PM</a:t>
             </a:fld>
             <a:endParaRPr lang="en-US" dirty="0"/>
           </a:p>
@@ -1117,7 +1117,7 @@
           <a:p>
             <a:fld id="{D18B56EA-E28F-4F92-9F16-7A6F2501B303}" type="datetime8">
               <a:rPr lang="en-US" smtClean="0"/>
-              <a:t>12/14/18 12:13 PM</a:t>
+              <a:t>12/20/18 12:43 PM</a:t>
             </a:fld>
             <a:endParaRPr lang="en-US" dirty="0"/>
           </a:p>
@@ -1460,7 +1460,7 @@
           <a:p>
             <a:fld id="{D18B56EA-E28F-4F92-9F16-7A6F2501B303}" type="datetime8">
               <a:rPr lang="en-US" smtClean="0"/>
-              <a:t>12/14/18 12:13 PM</a:t>
+              <a:t>12/20/18 12:43 PM</a:t>
             </a:fld>
             <a:endParaRPr lang="en-US" dirty="0"/>
           </a:p>
@@ -1641,7 +1641,7 @@
           <a:p>
             <a:fld id="{D18B56EA-E28F-4F92-9F16-7A6F2501B303}" type="datetime8">
               <a:rPr lang="en-US" smtClean="0"/>
-              <a:t>12/14/18 10:05 AM</a:t>
+              <a:t>12/20/18 12:43 PM</a:t>
             </a:fld>
             <a:endParaRPr lang="en-US" dirty="0"/>
           </a:p>
@@ -1822,7 +1822,7 @@
           <a:p>
             <a:fld id="{D18B56EA-E28F-4F92-9F16-7A6F2501B303}" type="datetime8">
               <a:rPr lang="en-US" smtClean="0"/>
-              <a:t>12/14/18 9:44 AM</a:t>
+              <a:t>12/20/18 12:43 PM</a:t>
             </a:fld>
             <a:endParaRPr lang="en-US" dirty="0"/>
           </a:p>
@@ -2003,7 +2003,7 @@
           <a:p>
             <a:fld id="{D18B56EA-E28F-4F92-9F16-7A6F2501B303}" type="datetime8">
               <a:rPr lang="en-US" smtClean="0"/>
-              <a:t>12/14/18 9:44 AM</a:t>
+              <a:t>12/20/18 12:43 PM</a:t>
             </a:fld>
             <a:endParaRPr lang="en-US" dirty="0"/>
           </a:p>
@@ -6703,8 +6703,8 @@
 </file>
 
 <file path=ppt/slideLayouts/slideLayout26.xml><?xml version="1.0" encoding="utf-8"?>
-<p:sldLayout xmlns:a="http://schemas.openxmlformats.org/drawingml/2006/main" xmlns:r="http://schemas.openxmlformats.org/officeDocument/2006/relationships" xmlns:p="http://schemas.openxmlformats.org/presentationml/2006/main" userDrawn="1">
-  <p:cSld name="Developer Code Layout">
+<p:sldLayout xmlns:a="http://schemas.openxmlformats.org/drawingml/2006/main" xmlns:r="http://schemas.openxmlformats.org/officeDocument/2006/relationships" xmlns:p="http://schemas.openxmlformats.org/presentationml/2006/main" preserve="1" userDrawn="1">
+  <p:cSld name="1_Developer Code Layout">
     <p:spTree>
       <p:nvGrpSpPr>
         <p:cNvPr id="1" name=""/>
@@ -6729,27 +6729,31 @@
             <p:ph type="title" hasCustomPrompt="1"/>
           </p:nvPr>
         </p:nvSpPr>
-        <p:spPr/>
+        <p:spPr>
+          <a:xfrm>
+            <a:off x="464400" y="633600"/>
+            <a:ext cx="11575200" cy="410369"/>
+          </a:xfrm>
+        </p:spPr>
         <p:txBody>
-          <a:bodyPr/>
+          <a:bodyPr vert="horz" wrap="square" lIns="0" tIns="0" rIns="0" bIns="0" rtlCol="0" anchor="t">
+            <a:spAutoFit/>
+          </a:bodyPr>
           <a:lstStyle>
             <a:lvl1pPr>
-              <a:defRPr>
-                <a:gradFill>
-                  <a:gsLst>
-                    <a:gs pos="1250">
-                      <a:schemeClr val="tx2"/>
-                    </a:gs>
-                    <a:gs pos="100000">
-                      <a:schemeClr val="tx2"/>
-                    </a:gs>
-                  </a:gsLst>
-                  <a:lin ang="5400000" scaled="0"/>
-                </a:gradFill>
+              <a:defRPr lang="en-US" sz="2800" dirty="0">
+                <a:solidFill>
+                  <a:srgbClr val="2F2F2F"/>
+                </a:solidFill>
               </a:defRPr>
             </a:lvl1pPr>
           </a:lstStyle>
           <a:p>
+            <a:pPr lvl="0">
+              <a:lnSpc>
+                <a:spcPts val="3200"/>
+              </a:lnSpc>
+            </a:pPr>
             <a:r>
               <a:rPr lang="en-US" dirty="0"/>
               <a:t>Slide for Developer Code</a:t>
@@ -6842,8 +6846,8 @@
         </p:nvSpPr>
         <p:spPr>
           <a:xfrm>
-            <a:off x="528849" y="1476622"/>
-            <a:ext cx="11378776" cy="2360774"/>
+            <a:off x="464400" y="1178952"/>
+            <a:ext cx="11575200" cy="2658444"/>
           </a:xfrm>
         </p:spPr>
         <p:txBody>
@@ -6958,45 +6962,44 @@
           <a:p>
             <a:pPr lvl="0"/>
             <a:r>
-              <a:rPr lang="en-US"/>
+              <a:rPr lang="en-US" dirty="0"/>
               <a:t>Click to edit Master text styles</a:t>
             </a:r>
           </a:p>
           <a:p>
             <a:pPr lvl="1"/>
             <a:r>
-              <a:rPr lang="en-US"/>
+              <a:rPr lang="en-US" dirty="0"/>
               <a:t>Second level</a:t>
             </a:r>
           </a:p>
           <a:p>
             <a:pPr lvl="2"/>
             <a:r>
-              <a:rPr lang="en-US"/>
+              <a:rPr lang="en-US" dirty="0"/>
               <a:t>Third level</a:t>
             </a:r>
           </a:p>
           <a:p>
             <a:pPr lvl="3"/>
             <a:r>
-              <a:rPr lang="en-US"/>
+              <a:rPr lang="en-US" dirty="0"/>
               <a:t>Fourth level</a:t>
             </a:r>
           </a:p>
           <a:p>
             <a:pPr lvl="4"/>
             <a:r>
-              <a:rPr lang="en-US"/>
+              <a:rPr lang="en-US" dirty="0"/>
               <a:t>Fifth level</a:t>
             </a:r>
-            <a:endParaRPr lang="en-US" dirty="0"/>
           </a:p>
         </p:txBody>
       </p:sp>
     </p:spTree>
     <p:extLst>
       <p:ext uri="{BB962C8B-B14F-4D97-AF65-F5344CB8AC3E}">
-        <p14:creationId xmlns:p14="http://schemas.microsoft.com/office/powerpoint/2010/main" val="2517332202"/>
+        <p14:creationId xmlns:p14="http://schemas.microsoft.com/office/powerpoint/2010/main" val="3891607229"/>
       </p:ext>
     </p:extLst>
   </p:cSld>
@@ -7010,8 +7013,8 @@
 </file>
 
 <file path=ppt/slideLayouts/slideLayout27.xml><?xml version="1.0" encoding="utf-8"?>
-<p:sldLayout xmlns:a="http://schemas.openxmlformats.org/drawingml/2006/main" xmlns:r="http://schemas.openxmlformats.org/officeDocument/2006/relationships" xmlns:p="http://schemas.openxmlformats.org/presentationml/2006/main" userDrawn="1">
-  <p:cSld name="Title &amp; 2-color Non-bulleted text">
+<p:sldLayout xmlns:a="http://schemas.openxmlformats.org/drawingml/2006/main" xmlns:r="http://schemas.openxmlformats.org/officeDocument/2006/relationships" xmlns:p="http://schemas.openxmlformats.org/presentationml/2006/main" preserve="1" userDrawn="1">
+  <p:cSld name="1_Title &amp; 2-color Non-bulleted text">
     <p:spTree>
       <p:nvGrpSpPr>
         <p:cNvPr id="1" name=""/>
@@ -7026,36 +7029,6 @@
           <a:chExt cx="0" cy="0"/>
         </a:xfrm>
       </p:grpSpPr>
-      <p:pic>
-        <p:nvPicPr>
-          <p:cNvPr id="7" name="Picture 6"/>
-          <p:cNvPicPr>
-            <a:picLocks noChangeAspect="1"/>
-          </p:cNvPicPr>
-          <p:nvPr userDrawn="1"/>
-        </p:nvPicPr>
-        <p:blipFill>
-          <a:blip r:embed="rId2" cstate="screen">
-            <a:extLst>
-              <a:ext uri="{28A0092B-C50C-407E-A947-70E740481C1C}">
-                <a14:useLocalDpi xmlns:a14="http://schemas.microsoft.com/office/drawing/2010/main"/>
-              </a:ext>
-            </a:extLst>
-          </a:blip>
-          <a:stretch>
-            <a:fillRect/>
-          </a:stretch>
-        </p:blipFill>
-        <p:spPr>
-          <a:xfrm>
-            <a:off x="10933639" y="6533467"/>
-            <a:ext cx="1501954" cy="477297"/>
-          </a:xfrm>
-          <a:prstGeom prst="rect">
-            <a:avLst/>
-          </a:prstGeom>
-        </p:spPr>
-      </p:pic>
       <p:sp>
         <p:nvSpPr>
           <p:cNvPr id="2" name="Title 1"/>
@@ -7066,16 +7039,35 @@
             <p:ph type="title"/>
           </p:nvPr>
         </p:nvSpPr>
-        <p:spPr/>
+        <p:spPr>
+          <a:xfrm>
+            <a:off x="464400" y="633600"/>
+            <a:ext cx="11574000" cy="410369"/>
+          </a:xfrm>
+        </p:spPr>
         <p:txBody>
-          <a:bodyPr/>
-          <a:lstStyle/>
-          <a:p>
-            <a:r>
-              <a:rPr lang="en-US"/>
+          <a:bodyPr vert="horz" wrap="square" lIns="0" tIns="0" rIns="0" bIns="0" rtlCol="0" anchor="t">
+            <a:spAutoFit/>
+          </a:bodyPr>
+          <a:lstStyle>
+            <a:lvl1pPr>
+              <a:defRPr lang="en-US" sz="2800" dirty="0">
+                <a:solidFill>
+                  <a:srgbClr val="2F2F2F"/>
+                </a:solidFill>
+              </a:defRPr>
+            </a:lvl1pPr>
+          </a:lstStyle>
+          <a:p>
+            <a:pPr lvl="0">
+              <a:lnSpc>
+                <a:spcPts val="3200"/>
+              </a:lnSpc>
+            </a:pPr>
+            <a:r>
+              <a:rPr lang="en-US" dirty="0"/>
               <a:t>Click to edit Master title style</a:t>
             </a:r>
-            <a:endParaRPr lang="en-US" dirty="0"/>
           </a:p>
         </p:txBody>
       </p:sp>
@@ -7091,8 +7083,8 @@
         </p:nvSpPr>
         <p:spPr>
           <a:xfrm>
-            <a:off x="274638" y="1212850"/>
-            <a:ext cx="11887200" cy="1889748"/>
+            <a:off x="464400" y="1212850"/>
+            <a:ext cx="11574000" cy="1346522"/>
           </a:xfrm>
         </p:spPr>
         <p:txBody>
@@ -7100,7 +7092,7 @@
           <a:lstStyle>
             <a:lvl1pPr marL="0" indent="0">
               <a:buNone/>
-              <a:defRPr>
+              <a:defRPr sz="2400">
                 <a:solidFill>
                   <a:schemeClr val="tx2"/>
                 </a:solidFill>
@@ -7109,63 +7101,62 @@
             <a:lvl2pPr marL="0" indent="0">
               <a:buFontTx/>
               <a:buNone/>
-              <a:defRPr sz="2000"/>
+              <a:defRPr sz="1400"/>
             </a:lvl2pPr>
             <a:lvl3pPr marL="228600" indent="0">
               <a:buNone/>
-              <a:defRPr sz="1800"/>
+              <a:defRPr sz="1200"/>
             </a:lvl3pPr>
             <a:lvl4pPr marL="457200" indent="0">
               <a:buNone/>
-              <a:defRPr sz="1600"/>
+              <a:defRPr sz="1100"/>
             </a:lvl4pPr>
             <a:lvl5pPr marL="685800" indent="0">
               <a:buNone/>
-              <a:defRPr sz="1400"/>
+              <a:defRPr sz="1050"/>
             </a:lvl5pPr>
           </a:lstStyle>
           <a:p>
             <a:pPr lvl="0"/>
             <a:r>
-              <a:rPr lang="en-US"/>
+              <a:rPr lang="en-US" dirty="0"/>
               <a:t>Edit Master text styles</a:t>
             </a:r>
           </a:p>
           <a:p>
             <a:pPr lvl="1"/>
             <a:r>
-              <a:rPr lang="en-US"/>
+              <a:rPr lang="en-US" dirty="0"/>
               <a:t>Second level</a:t>
             </a:r>
           </a:p>
           <a:p>
             <a:pPr lvl="2"/>
             <a:r>
-              <a:rPr lang="en-US"/>
+              <a:rPr lang="en-US" dirty="0"/>
               <a:t>Third level</a:t>
             </a:r>
           </a:p>
           <a:p>
             <a:pPr lvl="3"/>
             <a:r>
-              <a:rPr lang="en-US"/>
+              <a:rPr lang="en-US" dirty="0"/>
               <a:t>Fourth level</a:t>
             </a:r>
           </a:p>
           <a:p>
             <a:pPr lvl="4"/>
             <a:r>
-              <a:rPr lang="en-US"/>
+              <a:rPr lang="en-US" dirty="0"/>
               <a:t>Fifth level</a:t>
             </a:r>
-            <a:endParaRPr lang="en-US" dirty="0"/>
           </a:p>
         </p:txBody>
       </p:sp>
     </p:spTree>
     <p:extLst>
       <p:ext uri="{BB962C8B-B14F-4D97-AF65-F5344CB8AC3E}">
-        <p14:creationId xmlns:p14="http://schemas.microsoft.com/office/powerpoint/2010/main" val="3845859015"/>
+        <p14:creationId xmlns:p14="http://schemas.microsoft.com/office/powerpoint/2010/main" val="62259958"/>
       </p:ext>
     </p:extLst>
   </p:cSld>
@@ -7179,8 +7170,8 @@
 </file>
 
 <file path=ppt/slideLayouts/slideLayout28.xml><?xml version="1.0" encoding="utf-8"?>
-<p:sldLayout xmlns:a="http://schemas.openxmlformats.org/drawingml/2006/main" xmlns:r="http://schemas.openxmlformats.org/officeDocument/2006/relationships" xmlns:p="http://schemas.openxmlformats.org/presentationml/2006/main" userDrawn="1">
-  <p:cSld name="Title and Content">
+<p:sldLayout xmlns:a="http://schemas.openxmlformats.org/drawingml/2006/main" xmlns:r="http://schemas.openxmlformats.org/officeDocument/2006/relationships" xmlns:p="http://schemas.openxmlformats.org/presentationml/2006/main" preserve="1" userDrawn="1">
+  <p:cSld name="1_Title and Content">
     <p:spTree>
       <p:nvGrpSpPr>
         <p:cNvPr id="1" name=""/>
@@ -7207,8 +7198,8 @@
         </p:nvSpPr>
         <p:spPr>
           <a:xfrm>
-            <a:off x="274638" y="1212850"/>
-            <a:ext cx="11887200" cy="2240229"/>
+            <a:off x="464400" y="1212850"/>
+            <a:ext cx="11574000" cy="1566583"/>
           </a:xfrm>
         </p:spPr>
         <p:txBody>
@@ -7216,51 +7207,56 @@
             <a:spAutoFit/>
           </a:bodyPr>
           <a:lstStyle>
+            <a:lvl1pPr>
+              <a:defRPr sz="2400"/>
+            </a:lvl1pPr>
+            <a:lvl2pPr>
+              <a:defRPr sz="1800"/>
+            </a:lvl2pPr>
             <a:lvl3pPr>
-              <a:defRPr sz="2399"/>
+              <a:defRPr sz="1600"/>
             </a:lvl3pPr>
             <a:lvl4pPr>
-              <a:defRPr sz="1999"/>
+              <a:defRPr sz="1400"/>
             </a:lvl4pPr>
             <a:lvl5pPr>
-              <a:defRPr sz="1999"/>
+              <a:defRPr sz="1400"/>
             </a:lvl5pPr>
           </a:lstStyle>
           <a:p>
             <a:pPr lvl="0"/>
             <a:r>
-              <a:rPr lang="en-US"/>
+              <a:rPr lang="en-US" dirty="0"/>
               <a:t>Edit Master text styles</a:t>
             </a:r>
           </a:p>
           <a:p>
             <a:pPr lvl="1"/>
             <a:r>
-              <a:rPr lang="en-US"/>
+              <a:rPr lang="en-US" dirty="0"/>
               <a:t>Second level</a:t>
             </a:r>
           </a:p>
           <a:p>
             <a:pPr lvl="2"/>
             <a:r>
-              <a:rPr lang="en-US"/>
+              <a:rPr lang="en-US" dirty="0"/>
               <a:t>Third level</a:t>
             </a:r>
           </a:p>
           <a:p>
             <a:pPr lvl="3"/>
             <a:r>
-              <a:rPr lang="en-US"/>
+              <a:rPr lang="en-US" dirty="0"/>
               <a:t>Fourth level</a:t>
             </a:r>
           </a:p>
           <a:p>
             <a:pPr lvl="4"/>
             <a:r>
-              <a:rPr lang="en-US"/>
+              <a:rPr lang="en-US" dirty="0"/>
               <a:t>Fifth level</a:t>
             </a:r>
-            <a:endParaRPr lang="en-US" dirty="0"/>
           </a:p>
         </p:txBody>
       </p:sp>
@@ -7274,13 +7270,33 @@
             <p:ph type="title"/>
           </p:nvPr>
         </p:nvSpPr>
-        <p:spPr/>
+        <p:spPr>
+          <a:xfrm>
+            <a:off x="464400" y="633600"/>
+            <a:ext cx="11574000" cy="410369"/>
+          </a:xfrm>
+        </p:spPr>
         <p:txBody>
-          <a:bodyPr/>
-          <a:lstStyle/>
-          <a:p>
-            <a:r>
-              <a:rPr lang="en-US"/>
+          <a:bodyPr vert="horz" wrap="square" lIns="0" tIns="0" rIns="0" bIns="0" rtlCol="0" anchor="t">
+            <a:spAutoFit/>
+          </a:bodyPr>
+          <a:lstStyle>
+            <a:lvl1pPr>
+              <a:defRPr lang="en-US" sz="2800">
+                <a:solidFill>
+                  <a:srgbClr val="2F2F2F"/>
+                </a:solidFill>
+              </a:defRPr>
+            </a:lvl1pPr>
+          </a:lstStyle>
+          <a:p>
+            <a:pPr lvl="0">
+              <a:lnSpc>
+                <a:spcPts val="3200"/>
+              </a:lnSpc>
+            </a:pPr>
+            <a:r>
+              <a:rPr lang="en-US" dirty="0"/>
               <a:t>Click to edit Master title style</a:t>
             </a:r>
           </a:p>
@@ -7289,7 +7305,7 @@
     </p:spTree>
     <p:extLst>
       <p:ext uri="{BB962C8B-B14F-4D97-AF65-F5344CB8AC3E}">
-        <p14:creationId xmlns:p14="http://schemas.microsoft.com/office/powerpoint/2010/main" val="3733558018"/>
+        <p14:creationId xmlns:p14="http://schemas.microsoft.com/office/powerpoint/2010/main" val="3970813436"/>
       </p:ext>
     </p:extLst>
   </p:cSld>
@@ -14198,9 +14214,9 @@
     <p:sldLayoutId id="2147484545" r:id="rId23"/>
     <p:sldLayoutId id="2147484546" r:id="rId24"/>
     <p:sldLayoutId id="2147484299" r:id="rId25"/>
-    <p:sldLayoutId id="2147484552" r:id="rId26"/>
-    <p:sldLayoutId id="2147484556" r:id="rId27"/>
-    <p:sldLayoutId id="2147484558" r:id="rId28"/>
+    <p:sldLayoutId id="2147484559" r:id="rId26"/>
+    <p:sldLayoutId id="2147484560" r:id="rId27"/>
+    <p:sldLayoutId id="2147484561" r:id="rId28"/>
   </p:sldLayoutIdLst>
   <p:transition>
     <p:fade/>
@@ -15077,12 +15093,7 @@
             <p:ph type="body" sz="quarter" idx="10"/>
           </p:nvPr>
         </p:nvSpPr>
-        <p:spPr>
-          <a:xfrm>
-            <a:off x="274638" y="1212850"/>
-            <a:ext cx="11887200" cy="4592026"/>
-          </a:xfrm>
-        </p:spPr>
+        <p:spPr/>
         <p:txBody>
           <a:bodyPr/>
           <a:lstStyle/>
@@ -15195,12 +15206,7 @@
             <p:ph type="body" sz="quarter" idx="10"/>
           </p:nvPr>
         </p:nvSpPr>
-        <p:spPr>
-          <a:xfrm>
-            <a:off x="274638" y="1212850"/>
-            <a:ext cx="11887200" cy="4570482"/>
-          </a:xfrm>
-        </p:spPr>
+        <p:spPr/>
         <p:txBody>
           <a:bodyPr/>
           <a:lstStyle/>
@@ -15524,12 +15530,7 @@
             <p:ph type="body" sz="quarter" idx="10"/>
           </p:nvPr>
         </p:nvSpPr>
-        <p:spPr>
-          <a:xfrm>
-            <a:off x="528849" y="1476622"/>
-            <a:ext cx="11378776" cy="5544595"/>
-          </a:xfrm>
-        </p:spPr>
+        <p:spPr/>
         <p:txBody>
           <a:bodyPr/>
           <a:lstStyle/>

--- a/03 mock-data.pptx
+++ b/03 mock-data.pptx
@@ -13,7 +13,7 @@
   <p:sldIdLst>
     <p:sldId id="257" r:id="rId3"/>
     <p:sldId id="263" r:id="rId4"/>
-    <p:sldId id="1547" r:id="rId5"/>
+    <p:sldId id="1572" r:id="rId5"/>
     <p:sldId id="1552" r:id="rId6"/>
     <p:sldId id="1553" r:id="rId7"/>
     <p:sldId id="265" r:id="rId8"/>
@@ -128,9 +128,9 @@
             <p14:sldId id="263"/>
           </p14:sldIdLst>
         </p14:section>
-        <p14:section name="body" id="{3A7429EF-79F1-A44F-B2E7-33EA665B892A}">
+        <p14:section name="body" id="{3D9C80B2-EAAE-E24F-83D7-5970E147313E}">
           <p14:sldIdLst>
-            <p14:sldId id="1547"/>
+            <p14:sldId id="1572"/>
             <p14:sldId id="1552"/>
             <p14:sldId id="1553"/>
             <p14:sldId id="265"/>
@@ -222,9 +222,12 @@
             </a:lvl1pPr>
           </a:lstStyle>
           <a:p>
-            <a:endParaRPr lang="en-US" dirty="0">
-              <a:latin typeface="Segoe UI" pitchFamily="34" charset="0"/>
-            </a:endParaRPr>
+            <a:r>
+              <a:rPr lang="en-US" dirty="0">
+                <a:latin typeface="Segoe UI" pitchFamily="34" charset="0"/>
+              </a:rPr>
+              <a:t>SharePoint Framework</a:t>
+            </a:r>
           </a:p>
         </p:txBody>
       </p:sp>
@@ -259,7 +262,7 @@
               <a:rPr lang="en-US" smtClean="0">
                 <a:latin typeface="Segoe UI" pitchFamily="34" charset="0"/>
               </a:rPr>
-              <a:t>12/20/18 12:43 PM</a:t>
+              <a:t>12/20/2018 9:11 PM</a:t>
             </a:fld>
             <a:endParaRPr lang="en-US" dirty="0">
               <a:latin typeface="Segoe UI" pitchFamily="34" charset="0"/>
@@ -419,7 +422,10 @@
             </a:lvl1pPr>
           </a:lstStyle>
           <a:p>
-            <a:endParaRPr lang="en-US" dirty="0"/>
+            <a:r>
+              <a:rPr lang="en-US" dirty="0"/>
+              <a:t>SharePoint Framework</a:t>
+            </a:r>
           </a:p>
         </p:txBody>
       </p:sp>
@@ -553,7 +559,7 @@
           <a:p>
             <a:fld id="{D18B56EA-E28F-4F92-9F16-7A6F2501B303}" type="datetime8">
               <a:rPr lang="en-US" smtClean="0"/>
-              <a:t>12/20/18 12:43 PM</a:t>
+              <a:t>12/20/2018 9:11 PM</a:t>
             </a:fld>
             <a:endParaRPr lang="en-US" dirty="0"/>
           </a:p>
@@ -936,7 +942,7 @@
           <a:p>
             <a:fld id="{D18B56EA-E28F-4F92-9F16-7A6F2501B303}" type="datetime8">
               <a:rPr lang="en-US" smtClean="0"/>
-              <a:t>12/20/18 12:43 PM</a:t>
+              <a:t>12/20/2018 9:11 PM</a:t>
             </a:fld>
             <a:endParaRPr lang="en-US" dirty="0"/>
           </a:p>
@@ -1117,7 +1123,7 @@
           <a:p>
             <a:fld id="{D18B56EA-E28F-4F92-9F16-7A6F2501B303}" type="datetime8">
               <a:rPr lang="en-US" smtClean="0"/>
-              <a:t>12/20/18 12:43 PM</a:t>
+              <a:t>12/20/2018 9:11 PM</a:t>
             </a:fld>
             <a:endParaRPr lang="en-US" dirty="0"/>
           </a:p>
@@ -1460,7 +1466,7 @@
           <a:p>
             <a:fld id="{D18B56EA-E28F-4F92-9F16-7A6F2501B303}" type="datetime8">
               <a:rPr lang="en-US" smtClean="0"/>
-              <a:t>12/20/18 12:43 PM</a:t>
+              <a:t>12/20/2018 9:11 PM</a:t>
             </a:fld>
             <a:endParaRPr lang="en-US" dirty="0"/>
           </a:p>
@@ -1641,7 +1647,7 @@
           <a:p>
             <a:fld id="{D18B56EA-E28F-4F92-9F16-7A6F2501B303}" type="datetime8">
               <a:rPr lang="en-US" smtClean="0"/>
-              <a:t>12/20/18 12:43 PM</a:t>
+              <a:t>12/20/2018 9:11 PM</a:t>
             </a:fld>
             <a:endParaRPr lang="en-US" dirty="0"/>
           </a:p>
@@ -1822,7 +1828,7 @@
           <a:p>
             <a:fld id="{D18B56EA-E28F-4F92-9F16-7A6F2501B303}" type="datetime8">
               <a:rPr lang="en-US" smtClean="0"/>
-              <a:t>12/20/18 12:43 PM</a:t>
+              <a:t>12/20/2018 9:11 PM</a:t>
             </a:fld>
             <a:endParaRPr lang="en-US" dirty="0"/>
           </a:p>
@@ -2003,7 +2009,7 @@
           <a:p>
             <a:fld id="{D18B56EA-E28F-4F92-9F16-7A6F2501B303}" type="datetime8">
               <a:rPr lang="en-US" smtClean="0"/>
-              <a:t>12/20/18 12:43 PM</a:t>
+              <a:t>12/20/2018 9:11 PM</a:t>
             </a:fld>
             <a:endParaRPr lang="en-US" dirty="0"/>
           </a:p>
@@ -6282,7 +6288,7 @@
           <a:lstStyle/>
           <a:p>
             <a:r>
-              <a:rPr lang="en-US"/>
+              <a:rPr lang="en-US" dirty="0"/>
               <a:t>Click icon to add table</a:t>
             </a:r>
           </a:p>
@@ -6703,8 +6709,8 @@
 </file>
 
 <file path=ppt/slideLayouts/slideLayout26.xml><?xml version="1.0" encoding="utf-8"?>
-<p:sldLayout xmlns:a="http://schemas.openxmlformats.org/drawingml/2006/main" xmlns:r="http://schemas.openxmlformats.org/officeDocument/2006/relationships" xmlns:p="http://schemas.openxmlformats.org/presentationml/2006/main" preserve="1" userDrawn="1">
-  <p:cSld name="1_Developer Code Layout">
+<p:sldLayout xmlns:a="http://schemas.openxmlformats.org/drawingml/2006/main" xmlns:r="http://schemas.openxmlformats.org/officeDocument/2006/relationships" xmlns:p="http://schemas.openxmlformats.org/presentationml/2006/main" userDrawn="1">
+  <p:cSld name="Developer Code Layout">
     <p:spTree>
       <p:nvGrpSpPr>
         <p:cNvPr id="1" name=""/>
@@ -6999,7 +7005,7 @@
     </p:spTree>
     <p:extLst>
       <p:ext uri="{BB962C8B-B14F-4D97-AF65-F5344CB8AC3E}">
-        <p14:creationId xmlns:p14="http://schemas.microsoft.com/office/powerpoint/2010/main" val="3891607229"/>
+        <p14:creationId xmlns:p14="http://schemas.microsoft.com/office/powerpoint/2010/main" val="2517332202"/>
       </p:ext>
     </p:extLst>
   </p:cSld>
@@ -7013,8 +7019,8 @@
 </file>
 
 <file path=ppt/slideLayouts/slideLayout27.xml><?xml version="1.0" encoding="utf-8"?>
-<p:sldLayout xmlns:a="http://schemas.openxmlformats.org/drawingml/2006/main" xmlns:r="http://schemas.openxmlformats.org/officeDocument/2006/relationships" xmlns:p="http://schemas.openxmlformats.org/presentationml/2006/main" preserve="1" userDrawn="1">
-  <p:cSld name="1_Title &amp; 2-color Non-bulleted text">
+<p:sldLayout xmlns:a="http://schemas.openxmlformats.org/drawingml/2006/main" xmlns:r="http://schemas.openxmlformats.org/officeDocument/2006/relationships" xmlns:p="http://schemas.openxmlformats.org/presentationml/2006/main" userDrawn="1">
+  <p:cSld name="Title &amp; 2-color Non-bulleted text">
     <p:spTree>
       <p:nvGrpSpPr>
         <p:cNvPr id="1" name=""/>
@@ -7156,7 +7162,7 @@
     </p:spTree>
     <p:extLst>
       <p:ext uri="{BB962C8B-B14F-4D97-AF65-F5344CB8AC3E}">
-        <p14:creationId xmlns:p14="http://schemas.microsoft.com/office/powerpoint/2010/main" val="62259958"/>
+        <p14:creationId xmlns:p14="http://schemas.microsoft.com/office/powerpoint/2010/main" val="3845859015"/>
       </p:ext>
     </p:extLst>
   </p:cSld>
@@ -7170,8 +7176,8 @@
 </file>
 
 <file path=ppt/slideLayouts/slideLayout28.xml><?xml version="1.0" encoding="utf-8"?>
-<p:sldLayout xmlns:a="http://schemas.openxmlformats.org/drawingml/2006/main" xmlns:r="http://schemas.openxmlformats.org/officeDocument/2006/relationships" xmlns:p="http://schemas.openxmlformats.org/presentationml/2006/main" preserve="1" userDrawn="1">
-  <p:cSld name="1_Title and Content">
+<p:sldLayout xmlns:a="http://schemas.openxmlformats.org/drawingml/2006/main" xmlns:r="http://schemas.openxmlformats.org/officeDocument/2006/relationships" xmlns:p="http://schemas.openxmlformats.org/presentationml/2006/main" userDrawn="1">
+  <p:cSld name="Title and Content">
     <p:spTree>
       <p:nvGrpSpPr>
         <p:cNvPr id="1" name=""/>
@@ -7305,7 +7311,7 @@
     </p:spTree>
     <p:extLst>
       <p:ext uri="{BB962C8B-B14F-4D97-AF65-F5344CB8AC3E}">
-        <p14:creationId xmlns:p14="http://schemas.microsoft.com/office/powerpoint/2010/main" val="3970813436"/>
+        <p14:creationId xmlns:p14="http://schemas.microsoft.com/office/powerpoint/2010/main" val="2439250095"/>
       </p:ext>
     </p:extLst>
   </p:cSld>
@@ -14214,9 +14220,9 @@
     <p:sldLayoutId id="2147484545" r:id="rId23"/>
     <p:sldLayoutId id="2147484546" r:id="rId24"/>
     <p:sldLayoutId id="2147484299" r:id="rId25"/>
-    <p:sldLayoutId id="2147484559" r:id="rId26"/>
-    <p:sldLayoutId id="2147484560" r:id="rId27"/>
-    <p:sldLayoutId id="2147484561" r:id="rId28"/>
+    <p:sldLayoutId id="2147484552" r:id="rId26"/>
+    <p:sldLayoutId id="2147484556" r:id="rId27"/>
+    <p:sldLayoutId id="2147484559" r:id="rId28"/>
   </p:sldLayoutIdLst>
   <p:transition>
     <p:fade/>
@@ -15160,7 +15166,7 @@
     </p:spTree>
     <p:extLst>
       <p:ext uri="{BB962C8B-B14F-4D97-AF65-F5344CB8AC3E}">
-        <p14:creationId xmlns:p14="http://schemas.microsoft.com/office/powerpoint/2010/main" val="616216480"/>
+        <p14:creationId xmlns:p14="http://schemas.microsoft.com/office/powerpoint/2010/main" val="3537670698"/>
       </p:ext>
     </p:extLst>
   </p:cSld>
@@ -15786,7 +15792,7 @@
     </p:spTree>
     <p:extLst>
       <p:ext uri="{BB962C8B-B14F-4D97-AF65-F5344CB8AC3E}">
-        <p14:creationId xmlns:p14="http://schemas.microsoft.com/office/powerpoint/2010/main" val="2050046902"/>
+        <p14:creationId xmlns:p14="http://schemas.microsoft.com/office/powerpoint/2010/main" val="1771497800"/>
       </p:ext>
     </p:extLst>
   </p:cSld>
@@ -16588,7 +16594,7 @@
     </p:spTree>
     <p:extLst>
       <p:ext uri="{BB962C8B-B14F-4D97-AF65-F5344CB8AC3E}">
-        <p14:creationId xmlns:p14="http://schemas.microsoft.com/office/powerpoint/2010/main" val="1745997778"/>
+        <p14:creationId xmlns:p14="http://schemas.microsoft.com/office/powerpoint/2010/main" val="1987207401"/>
       </p:ext>
     </p:extLst>
   </p:cSld>

--- a/03 mock-data.pptx
+++ b/03 mock-data.pptx
@@ -262,7 +262,7 @@
               <a:rPr lang="en-US" smtClean="0">
                 <a:latin typeface="Segoe UI" pitchFamily="34" charset="0"/>
               </a:rPr>
-              <a:t>12/20/2018 9:11 PM</a:t>
+              <a:t>1/7/19 3:45 PM</a:t>
             </a:fld>
             <a:endParaRPr lang="en-US" dirty="0">
               <a:latin typeface="Segoe UI" pitchFamily="34" charset="0"/>
@@ -559,7 +559,7 @@
           <a:p>
             <a:fld id="{D18B56EA-E28F-4F92-9F16-7A6F2501B303}" type="datetime8">
               <a:rPr lang="en-US" smtClean="0"/>
-              <a:t>12/20/2018 9:11 PM</a:t>
+              <a:t>1/7/19 3:45 PM</a:t>
             </a:fld>
             <a:endParaRPr lang="en-US" dirty="0"/>
           </a:p>
@@ -942,7 +942,7 @@
           <a:p>
             <a:fld id="{D18B56EA-E28F-4F92-9F16-7A6F2501B303}" type="datetime8">
               <a:rPr lang="en-US" smtClean="0"/>
-              <a:t>12/20/2018 9:11 PM</a:t>
+              <a:t>1/7/19 3:45 PM</a:t>
             </a:fld>
             <a:endParaRPr lang="en-US" dirty="0"/>
           </a:p>
@@ -1123,7 +1123,7 @@
           <a:p>
             <a:fld id="{D18B56EA-E28F-4F92-9F16-7A6F2501B303}" type="datetime8">
               <a:rPr lang="en-US" smtClean="0"/>
-              <a:t>12/20/2018 9:11 PM</a:t>
+              <a:t>1/7/19 3:45 PM</a:t>
             </a:fld>
             <a:endParaRPr lang="en-US" dirty="0"/>
           </a:p>
@@ -1466,7 +1466,7 @@
           <a:p>
             <a:fld id="{D18B56EA-E28F-4F92-9F16-7A6F2501B303}" type="datetime8">
               <a:rPr lang="en-US" smtClean="0"/>
-              <a:t>12/20/2018 9:11 PM</a:t>
+              <a:t>1/7/19 3:45 PM</a:t>
             </a:fld>
             <a:endParaRPr lang="en-US" dirty="0"/>
           </a:p>
@@ -1647,7 +1647,7 @@
           <a:p>
             <a:fld id="{D18B56EA-E28F-4F92-9F16-7A6F2501B303}" type="datetime8">
               <a:rPr lang="en-US" smtClean="0"/>
-              <a:t>12/20/2018 9:11 PM</a:t>
+              <a:t>1/7/19 3:45 PM</a:t>
             </a:fld>
             <a:endParaRPr lang="en-US" dirty="0"/>
           </a:p>
@@ -1828,7 +1828,7 @@
           <a:p>
             <a:fld id="{D18B56EA-E28F-4F92-9F16-7A6F2501B303}" type="datetime8">
               <a:rPr lang="en-US" smtClean="0"/>
-              <a:t>12/20/2018 9:11 PM</a:t>
+              <a:t>1/7/19 3:45 PM</a:t>
             </a:fld>
             <a:endParaRPr lang="en-US" dirty="0"/>
           </a:p>
@@ -2009,7 +2009,7 @@
           <a:p>
             <a:fld id="{D18B56EA-E28F-4F92-9F16-7A6F2501B303}" type="datetime8">
               <a:rPr lang="en-US" smtClean="0"/>
-              <a:t>12/20/2018 9:11 PM</a:t>
+              <a:t>1/7/19 3:45 PM</a:t>
             </a:fld>
             <a:endParaRPr lang="en-US" dirty="0"/>
           </a:p>
@@ -15099,7 +15099,12 @@
             <p:ph type="body" sz="quarter" idx="10"/>
           </p:nvPr>
         </p:nvSpPr>
-        <p:spPr/>
+        <p:spPr>
+          <a:xfrm>
+            <a:off x="464400" y="1212850"/>
+            <a:ext cx="11574000" cy="2779222"/>
+          </a:xfrm>
+        </p:spPr>
         <p:txBody>
           <a:bodyPr/>
           <a:lstStyle/>
@@ -15122,7 +15127,14 @@
           <a:p>
             <a:r>
               <a:rPr lang="en-US" dirty="0"/>
-              <a:t>Testing web parts the use the SharePoint REST API will fail in the local workbench</a:t>
+              <a:t>Testing web parts the use the SharePoint REST API will fail </a:t>
+            </a:r>
+            <a:br>
+              <a:rPr lang="en-US" dirty="0"/>
+            </a:br>
+            <a:r>
+              <a:rPr lang="en-US" dirty="0"/>
+              <a:t>in the local workbench</a:t>
             </a:r>
           </a:p>
           <a:p>

--- a/03 mock-data.pptx
+++ b/03 mock-data.pptx
@@ -262,7 +262,7 @@
               <a:rPr lang="en-US" smtClean="0">
                 <a:latin typeface="Segoe UI" pitchFamily="34" charset="0"/>
               </a:rPr>
-              <a:t>1/7/19 3:45 PM</a:t>
+              <a:t>3/8/2019 7:01 PM</a:t>
             </a:fld>
             <a:endParaRPr lang="en-US" dirty="0">
               <a:latin typeface="Segoe UI" pitchFamily="34" charset="0"/>
@@ -559,7 +559,7 @@
           <a:p>
             <a:fld id="{D18B56EA-E28F-4F92-9F16-7A6F2501B303}" type="datetime8">
               <a:rPr lang="en-US" smtClean="0"/>
-              <a:t>1/7/19 3:45 PM</a:t>
+              <a:t>3/8/2019 7:01 PM</a:t>
             </a:fld>
             <a:endParaRPr lang="en-US" dirty="0"/>
           </a:p>
@@ -942,7 +942,7 @@
           <a:p>
             <a:fld id="{D18B56EA-E28F-4F92-9F16-7A6F2501B303}" type="datetime8">
               <a:rPr lang="en-US" smtClean="0"/>
-              <a:t>1/7/19 3:45 PM</a:t>
+              <a:t>3/8/2019 7:01 PM</a:t>
             </a:fld>
             <a:endParaRPr lang="en-US" dirty="0"/>
           </a:p>
@@ -1123,7 +1123,7 @@
           <a:p>
             <a:fld id="{D18B56EA-E28F-4F92-9F16-7A6F2501B303}" type="datetime8">
               <a:rPr lang="en-US" smtClean="0"/>
-              <a:t>1/7/19 3:45 PM</a:t>
+              <a:t>3/8/2019 7:01 PM</a:t>
             </a:fld>
             <a:endParaRPr lang="en-US" dirty="0"/>
           </a:p>
@@ -1466,7 +1466,7 @@
           <a:p>
             <a:fld id="{D18B56EA-E28F-4F92-9F16-7A6F2501B303}" type="datetime8">
               <a:rPr lang="en-US" smtClean="0"/>
-              <a:t>1/7/19 3:45 PM</a:t>
+              <a:t>3/8/2019 7:01 PM</a:t>
             </a:fld>
             <a:endParaRPr lang="en-US" dirty="0"/>
           </a:p>
@@ -1647,7 +1647,7 @@
           <a:p>
             <a:fld id="{D18B56EA-E28F-4F92-9F16-7A6F2501B303}" type="datetime8">
               <a:rPr lang="en-US" smtClean="0"/>
-              <a:t>1/7/19 3:45 PM</a:t>
+              <a:t>3/8/2019 7:01 PM</a:t>
             </a:fld>
             <a:endParaRPr lang="en-US" dirty="0"/>
           </a:p>
@@ -1828,7 +1828,7 @@
           <a:p>
             <a:fld id="{D18B56EA-E28F-4F92-9F16-7A6F2501B303}" type="datetime8">
               <a:rPr lang="en-US" smtClean="0"/>
-              <a:t>1/7/19 3:45 PM</a:t>
+              <a:t>3/8/2019 7:01 PM</a:t>
             </a:fld>
             <a:endParaRPr lang="en-US" dirty="0"/>
           </a:p>
@@ -2009,7 +2009,7 @@
           <a:p>
             <a:fld id="{D18B56EA-E28F-4F92-9F16-7A6F2501B303}" type="datetime8">
               <a:rPr lang="en-US" smtClean="0"/>
-              <a:t>1/7/19 3:45 PM</a:t>
+              <a:t>3/8/2019 7:01 PM</a:t>
             </a:fld>
             <a:endParaRPr lang="en-US" dirty="0"/>
           </a:p>
@@ -16453,7 +16453,7 @@
               <a:rPr lang="en-US" sz="1800" dirty="0">
                 <a:latin typeface="+mj-lt"/>
               </a:rPr>
-              <a:t>SharePoint Framework</a:t>
+              <a:t>Overview of the SharePoint Framework</a:t>
             </a:r>
           </a:p>
           <a:p>
@@ -16468,11 +16468,11 @@
               <a:defRPr/>
             </a:pPr>
             <a:r>
-              <a:rPr lang="en-US" sz="1800" dirty="0">
+              <a:rPr lang="en-US" sz="1800">
                 <a:latin typeface="+mj-lt"/>
                 <a:hlinkClick r:id="rId3"/>
               </a:rPr>
-              <a:t>https://docs.microsoft.com/sharepoint/dev/spfx</a:t>
+              <a:t>https://docs.microsoft.com/sharepoint/dev/spfx/sharepoint-framework-overview</a:t>
             </a:r>
             <a:endParaRPr lang="en-US" sz="1800" dirty="0">
               <a:latin typeface="+mj-lt"/>

--- a/03 mock-data.pptx
+++ b/03 mock-data.pptx
@@ -262,7 +262,7 @@
               <a:rPr lang="en-US" smtClean="0">
                 <a:latin typeface="Segoe UI" pitchFamily="34" charset="0"/>
               </a:rPr>
-              <a:t>3/8/2019 7:01 PM</a:t>
+              <a:t>3/4/20 6:20 PM</a:t>
             </a:fld>
             <a:endParaRPr lang="en-US" dirty="0">
               <a:latin typeface="Segoe UI" pitchFamily="34" charset="0"/>
@@ -559,7 +559,7 @@
           <a:p>
             <a:fld id="{D18B56EA-E28F-4F92-9F16-7A6F2501B303}" type="datetime8">
               <a:rPr lang="en-US" smtClean="0"/>
-              <a:t>3/8/2019 7:01 PM</a:t>
+              <a:t>3/4/20 6:20 PM</a:t>
             </a:fld>
             <a:endParaRPr lang="en-US" dirty="0"/>
           </a:p>
@@ -942,7 +942,7 @@
           <a:p>
             <a:fld id="{D18B56EA-E28F-4F92-9F16-7A6F2501B303}" type="datetime8">
               <a:rPr lang="en-US" smtClean="0"/>
-              <a:t>3/8/2019 7:01 PM</a:t>
+              <a:t>3/4/20 6:20 PM</a:t>
             </a:fld>
             <a:endParaRPr lang="en-US" dirty="0"/>
           </a:p>
@@ -1029,7 +1029,38 @@
           <a:bodyPr/>
           <a:lstStyle/>
           <a:p>
-            <a:endParaRPr lang="en-US"/>
+            <a:pPr marL="0" marR="0" lvl="0" indent="0" algn="l" defTabSz="932742" rtl="0" eaLnBrk="1" fontAlgn="auto" latinLnBrk="0" hangingPunct="1">
+              <a:lnSpc>
+                <a:spcPct val="90000"/>
+              </a:lnSpc>
+              <a:spcBef>
+                <a:spcPts val="0"/>
+              </a:spcBef>
+              <a:spcAft>
+                <a:spcPts val="340"/>
+              </a:spcAft>
+              <a:buClrTx/>
+              <a:buSzTx/>
+              <a:buFontTx/>
+              <a:buNone/>
+              <a:tabLst/>
+              <a:defRPr/>
+            </a:pPr>
+            <a:r>
+              <a:rPr lang="en-US" sz="900" b="0" kern="1200" dirty="0">
+                <a:solidFill>
+                  <a:schemeClr val="tx1"/>
+                </a:solidFill>
+                <a:effectLst/>
+                <a:latin typeface="Segoe UI Light" pitchFamily="34" charset="0"/>
+                <a:ea typeface="+mn-ea"/>
+                <a:cs typeface="+mn-cs"/>
+              </a:rPr>
+              <a:t>In this unit, you'll learn how to use mocks to simulate SharePoint data when developing and testing SharePoint Framework components in the local workbench</a:t>
+            </a:r>
+          </a:p>
+          <a:p>
+            <a:endParaRPr lang="en-US" dirty="0"/>
           </a:p>
         </p:txBody>
       </p:sp>
@@ -1123,7 +1154,7 @@
           <a:p>
             <a:fld id="{D18B56EA-E28F-4F92-9F16-7A6F2501B303}" type="datetime8">
               <a:rPr lang="en-US" smtClean="0"/>
-              <a:t>3/8/2019 7:01 PM</a:t>
+              <a:t>3/4/20 6:23 PM</a:t>
             </a:fld>
             <a:endParaRPr lang="en-US" dirty="0"/>
           </a:p>
@@ -1210,6 +1241,30 @@
           <a:bodyPr/>
           <a:lstStyle/>
           <a:p>
+            <a:r>
+              <a:rPr lang="en-US" dirty="0"/>
+              <a:t>The local workbench is a great option for testing your SharePoint Framework components, but it has a significant limitation when compared to the SharePoint hosted workbench. The SharePoint hosted workbench runs in a real SharePoint environment which means that components can use SharePoint APIs including the SharePoint REST API.</a:t>
+            </a:r>
+          </a:p>
+          <a:p>
+            <a:endParaRPr lang="en-US" dirty="0"/>
+          </a:p>
+          <a:p>
+            <a:r>
+              <a:rPr lang="en-US" dirty="0"/>
+              <a:t>The local workbench doesn't have a real SharePoint context which means that it has no security context and can't authenticate to call SharePoint APIs, including the SharePoint REST API. If your component calls the SharePoint REST API, it will fail when you run it in the local workbench. </a:t>
+            </a:r>
+          </a:p>
+          <a:p>
+            <a:endParaRPr lang="en-US" dirty="0"/>
+          </a:p>
+          <a:p>
+            <a:r>
+              <a:rPr lang="en-US" dirty="0"/>
+              <a:t>While this doesn't make for a good debugging experience, there is a technique you can implement so your web part will work in both the local and SharePoint hosted workbenches. Your web part can detect the current environment and conditionally use fake data when it's running in the local workbench. This fake data is commonly referred to as *mock* data.</a:t>
+            </a:r>
+          </a:p>
+          <a:p>
             <a:endParaRPr lang="en-US" dirty="0"/>
           </a:p>
         </p:txBody>
@@ -1372,6 +1427,101 @@
           <a:bodyPr/>
           <a:lstStyle/>
           <a:p>
+            <a:r>
+              <a:rPr lang="en-US" dirty="0"/>
+              <a:t>Developers can use parts of the SharePoint Framework API to detect the current runtime environment the component is currently executing within. The `Environment` object in the **@</a:t>
+            </a:r>
+            <a:r>
+              <a:rPr lang="en-US" dirty="0" err="1"/>
+              <a:t>microsoft</a:t>
+            </a:r>
+            <a:r>
+              <a:rPr lang="en-US" dirty="0"/>
+              <a:t>/</a:t>
+            </a:r>
+            <a:r>
+              <a:rPr lang="en-US" dirty="0" err="1"/>
+              <a:t>sp</a:t>
+            </a:r>
+            <a:r>
+              <a:rPr lang="en-US" dirty="0"/>
+              <a:t>-core-library** package contains a `type` property that returns the current SharePoint environment your component is running in. You can also use the `</a:t>
+            </a:r>
+            <a:r>
+              <a:rPr lang="en-US" dirty="0" err="1"/>
+              <a:t>EnvironmentType</a:t>
+            </a:r>
+            <a:r>
+              <a:rPr lang="en-US" dirty="0"/>
+              <a:t>` enumeration from the same NPM package to detect the current SharePoint environment:</a:t>
+            </a:r>
+          </a:p>
+          <a:p>
+            <a:endParaRPr lang="en-US" dirty="0"/>
+          </a:p>
+          <a:p>
+            <a:r>
+              <a:rPr lang="en-US" dirty="0"/>
+              <a:t>This TypeScript method returns true if the component is running in a real SharePoint environment, either a modern SharePoint page (`</a:t>
+            </a:r>
+            <a:r>
+              <a:rPr lang="en-US" dirty="0" err="1"/>
+              <a:t>EnvironmentType.SharePoint</a:t>
+            </a:r>
+            <a:r>
+              <a:rPr lang="en-US" dirty="0"/>
+              <a:t>`) or the SharePoint classic experience (`</a:t>
+            </a:r>
+            <a:r>
+              <a:rPr lang="en-US" dirty="0" err="1"/>
+              <a:t>EnvironmentType.ClassicSharePoint</a:t>
+            </a:r>
+            <a:r>
+              <a:rPr lang="en-US" dirty="0"/>
+              <a:t>`).</a:t>
+            </a:r>
+          </a:p>
+          <a:p>
+            <a:endParaRPr lang="en-US" dirty="0"/>
+          </a:p>
+          <a:p>
+            <a:r>
+              <a:rPr lang="en-US" dirty="0"/>
+              <a:t>The local workbench can also be detected with the `</a:t>
+            </a:r>
+            <a:r>
+              <a:rPr lang="en-US" dirty="0" err="1"/>
+              <a:t>EnvironmentType.Local</a:t>
+            </a:r>
+            <a:r>
+              <a:rPr lang="en-US" dirty="0"/>
+              <a:t>` option.</a:t>
+            </a:r>
+          </a:p>
+          <a:p>
+            <a:endParaRPr lang="en-US" dirty="0"/>
+          </a:p>
+          <a:p>
+            <a:r>
+              <a:rPr lang="en-US" dirty="0"/>
+              <a:t>&gt; [!TIP]</a:t>
+            </a:r>
+          </a:p>
+          <a:p>
+            <a:r>
+              <a:rPr lang="en-US" dirty="0"/>
+              <a:t>&gt; The fourth option on the `</a:t>
+            </a:r>
+            <a:r>
+              <a:rPr lang="en-US" dirty="0" err="1"/>
+              <a:t>EnvironmentType</a:t>
+            </a:r>
+            <a:r>
+              <a:rPr lang="en-US" dirty="0"/>
+              <a:t>` enumeration is `Test`. The `Test` value indicates the component is running within a test harness which also doesn't have access to a real SharePoint Framework context.</a:t>
+            </a:r>
+          </a:p>
+          <a:p>
             <a:endParaRPr lang="en-US" dirty="0"/>
           </a:p>
         </p:txBody>
@@ -1383,7 +1533,7 @@
             <a:spLocks noGrp="1"/>
           </p:cNvSpPr>
           <p:nvPr>
-            <p:ph type="hdr" sz="quarter" idx="10"/>
+            <p:ph type="hdr" sz="quarter"/>
           </p:nvPr>
         </p:nvSpPr>
         <p:spPr/>
@@ -1391,6 +1541,10 @@
           <a:bodyPr/>
           <a:lstStyle/>
           <a:p>
+            <a:r>
+              <a:rPr lang="en-US"/>
+              <a:t>SharePoint Framework</a:t>
+            </a:r>
             <a:endParaRPr lang="en-US" dirty="0"/>
           </a:p>
         </p:txBody>
@@ -1402,7 +1556,7 @@
             <a:spLocks noGrp="1"/>
           </p:cNvSpPr>
           <p:nvPr>
-            <p:ph type="ftr" sz="quarter" idx="11"/>
+            <p:ph type="ftr" sz="quarter" idx="4"/>
           </p:nvPr>
         </p:nvSpPr>
         <p:spPr/>
@@ -1456,7 +1610,7 @@
             <a:spLocks noGrp="1"/>
           </p:cNvSpPr>
           <p:nvPr>
-            <p:ph type="dt" idx="12"/>
+            <p:ph type="dt" idx="1"/>
           </p:nvPr>
         </p:nvSpPr>
         <p:spPr/>
@@ -1466,7 +1620,7 @@
           <a:p>
             <a:fld id="{D18B56EA-E28F-4F92-9F16-7A6F2501B303}" type="datetime8">
               <a:rPr lang="en-US" smtClean="0"/>
-              <a:t>3/8/2019 7:01 PM</a:t>
+              <a:t>3/5/20 5:56 AM</a:t>
             </a:fld>
             <a:endParaRPr lang="en-US" dirty="0"/>
           </a:p>
@@ -1479,7 +1633,7 @@
             <a:spLocks noGrp="1"/>
           </p:cNvSpPr>
           <p:nvPr>
-            <p:ph type="sldNum" sz="quarter" idx="13"/>
+            <p:ph type="sldNum" sz="quarter" idx="5"/>
           </p:nvPr>
         </p:nvSpPr>
         <p:spPr/>
@@ -1490,7 +1644,7 @@
             <a:fld id="{B4008EB6-D09E-4580-8CD6-DDB14511944F}" type="slidenum">
               <a:rPr lang="en-US" smtClean="0"/>
               <a:pPr/>
-              <a:t>6</a:t>
+              <a:t>4</a:t>
             </a:fld>
             <a:endParaRPr lang="en-US" dirty="0"/>
           </a:p>
@@ -1499,7 +1653,7 @@
     </p:spTree>
     <p:extLst>
       <p:ext uri="{BB962C8B-B14F-4D97-AF65-F5344CB8AC3E}">
-        <p14:creationId xmlns:p14="http://schemas.microsoft.com/office/powerpoint/2010/main" val="1143990261"/>
+        <p14:creationId xmlns:p14="http://schemas.microsoft.com/office/powerpoint/2010/main" val="1293833756"/>
       </p:ext>
     </p:extLst>
   </p:cSld>
@@ -1553,7 +1707,18 @@
           <a:bodyPr/>
           <a:lstStyle/>
           <a:p>
-            <a:endParaRPr lang="en-US" dirty="0"/>
+            <a:r>
+              <a:rPr lang="en-US" dirty="0"/>
+              <a:t>Now that you have a way to detect the current SharePoint environment, you can use this method to conditionally call the SharePoint REST API when running in a real SharePoint environment. The following method uses the `_</a:t>
+            </a:r>
+            <a:r>
+              <a:rPr lang="en-US" dirty="0" err="1"/>
+              <a:t>isSharePoint</a:t>
+            </a:r>
+            <a:r>
+              <a:rPr lang="en-US" dirty="0"/>
+              <a:t>()` previously defined to populate an array with sample data or use the SharePoint REST API to populate the array.</a:t>
+            </a:r>
           </a:p>
         </p:txBody>
       </p:sp>
@@ -1564,7 +1729,7 @@
             <a:spLocks noGrp="1"/>
           </p:cNvSpPr>
           <p:nvPr>
-            <p:ph type="hdr" sz="quarter" idx="10"/>
+            <p:ph type="hdr" sz="quarter"/>
           </p:nvPr>
         </p:nvSpPr>
         <p:spPr/>
@@ -1572,6 +1737,10 @@
           <a:bodyPr/>
           <a:lstStyle/>
           <a:p>
+            <a:r>
+              <a:rPr lang="en-US"/>
+              <a:t>SharePoint Framework</a:t>
+            </a:r>
             <a:endParaRPr lang="en-US" dirty="0"/>
           </a:p>
         </p:txBody>
@@ -1583,7 +1752,7 @@
             <a:spLocks noGrp="1"/>
           </p:cNvSpPr>
           <p:nvPr>
-            <p:ph type="ftr" sz="quarter" idx="11"/>
+            <p:ph type="ftr" sz="quarter" idx="4"/>
           </p:nvPr>
         </p:nvSpPr>
         <p:spPr/>
@@ -1637,7 +1806,7 @@
             <a:spLocks noGrp="1"/>
           </p:cNvSpPr>
           <p:nvPr>
-            <p:ph type="dt" idx="12"/>
+            <p:ph type="dt" idx="1"/>
           </p:nvPr>
         </p:nvSpPr>
         <p:spPr/>
@@ -1647,7 +1816,7 @@
           <a:p>
             <a:fld id="{D18B56EA-E28F-4F92-9F16-7A6F2501B303}" type="datetime8">
               <a:rPr lang="en-US" smtClean="0"/>
-              <a:t>3/8/2019 7:01 PM</a:t>
+              <a:t>3/5/20 5:59 AM</a:t>
             </a:fld>
             <a:endParaRPr lang="en-US" dirty="0"/>
           </a:p>
@@ -1660,7 +1829,7 @@
             <a:spLocks noGrp="1"/>
           </p:cNvSpPr>
           <p:nvPr>
-            <p:ph type="sldNum" sz="quarter" idx="13"/>
+            <p:ph type="sldNum" sz="quarter" idx="5"/>
           </p:nvPr>
         </p:nvSpPr>
         <p:spPr/>
@@ -1671,7 +1840,7 @@
             <a:fld id="{B4008EB6-D09E-4580-8CD6-DDB14511944F}" type="slidenum">
               <a:rPr lang="en-US" smtClean="0"/>
               <a:pPr/>
-              <a:t>8</a:t>
+              <a:t>5</a:t>
             </a:fld>
             <a:endParaRPr lang="en-US" dirty="0"/>
           </a:p>
@@ -1680,7 +1849,7 @@
     </p:spTree>
     <p:extLst>
       <p:ext uri="{BB962C8B-B14F-4D97-AF65-F5344CB8AC3E}">
-        <p14:creationId xmlns:p14="http://schemas.microsoft.com/office/powerpoint/2010/main" val="3282806226"/>
+        <p14:creationId xmlns:p14="http://schemas.microsoft.com/office/powerpoint/2010/main" val="1703249075"/>
       </p:ext>
     </p:extLst>
   </p:cSld>
@@ -1734,7 +1903,7 @@
           <a:bodyPr/>
           <a:lstStyle/>
           <a:p>
-            <a:endParaRPr lang="en-US"/>
+            <a:endParaRPr lang="en-US" dirty="0"/>
           </a:p>
         </p:txBody>
       </p:sp>
@@ -1828,7 +1997,7 @@
           <a:p>
             <a:fld id="{D18B56EA-E28F-4F92-9F16-7A6F2501B303}" type="datetime8">
               <a:rPr lang="en-US" smtClean="0"/>
-              <a:t>3/8/2019 7:01 PM</a:t>
+              <a:t>3/4/20 6:20 PM</a:t>
             </a:fld>
             <a:endParaRPr lang="en-US" dirty="0"/>
           </a:p>
@@ -1852,7 +2021,7 @@
             <a:fld id="{B4008EB6-D09E-4580-8CD6-DDB14511944F}" type="slidenum">
               <a:rPr lang="en-US" smtClean="0"/>
               <a:pPr/>
-              <a:t>9</a:t>
+              <a:t>6</a:t>
             </a:fld>
             <a:endParaRPr lang="en-US" dirty="0"/>
           </a:p>
@@ -1861,7 +2030,7 @@
     </p:spTree>
     <p:extLst>
       <p:ext uri="{BB962C8B-B14F-4D97-AF65-F5344CB8AC3E}">
-        <p14:creationId xmlns:p14="http://schemas.microsoft.com/office/powerpoint/2010/main" val="2510823477"/>
+        <p14:creationId xmlns:p14="http://schemas.microsoft.com/office/powerpoint/2010/main" val="1143990261"/>
       </p:ext>
     </p:extLst>
   </p:cSld>
@@ -1915,7 +2084,7 @@
           <a:bodyPr/>
           <a:lstStyle/>
           <a:p>
-            <a:endParaRPr lang="en-US"/>
+            <a:endParaRPr lang="en-US" dirty="0"/>
           </a:p>
         </p:txBody>
       </p:sp>
@@ -2009,7 +2178,369 @@
           <a:p>
             <a:fld id="{D18B56EA-E28F-4F92-9F16-7A6F2501B303}" type="datetime8">
               <a:rPr lang="en-US" smtClean="0"/>
-              <a:t>3/8/2019 7:01 PM</a:t>
+              <a:t>3/4/20 6:20 PM</a:t>
+            </a:fld>
+            <a:endParaRPr lang="en-US" dirty="0"/>
+          </a:p>
+        </p:txBody>
+      </p:sp>
+      <p:sp>
+        <p:nvSpPr>
+          <p:cNvPr id="7" name="Slide Number Placeholder 6"/>
+          <p:cNvSpPr>
+            <a:spLocks noGrp="1"/>
+          </p:cNvSpPr>
+          <p:nvPr>
+            <p:ph type="sldNum" sz="quarter" idx="13"/>
+          </p:nvPr>
+        </p:nvSpPr>
+        <p:spPr/>
+        <p:txBody>
+          <a:bodyPr/>
+          <a:lstStyle/>
+          <a:p>
+            <a:fld id="{B4008EB6-D09E-4580-8CD6-DDB14511944F}" type="slidenum">
+              <a:rPr lang="en-US" smtClean="0"/>
+              <a:pPr/>
+              <a:t>8</a:t>
+            </a:fld>
+            <a:endParaRPr lang="en-US" dirty="0"/>
+          </a:p>
+        </p:txBody>
+      </p:sp>
+    </p:spTree>
+    <p:extLst>
+      <p:ext uri="{BB962C8B-B14F-4D97-AF65-F5344CB8AC3E}">
+        <p14:creationId xmlns:p14="http://schemas.microsoft.com/office/powerpoint/2010/main" val="3282806226"/>
+      </p:ext>
+    </p:extLst>
+  </p:cSld>
+  <p:clrMapOvr>
+    <a:masterClrMapping/>
+  </p:clrMapOvr>
+</p:notes>
+</file>
+
+<file path=ppt/notesSlides/notesSlide8.xml><?xml version="1.0" encoding="utf-8"?>
+<p:notes xmlns:a="http://schemas.openxmlformats.org/drawingml/2006/main" xmlns:r="http://schemas.openxmlformats.org/officeDocument/2006/relationships" xmlns:p="http://schemas.openxmlformats.org/presentationml/2006/main">
+  <p:cSld>
+    <p:spTree>
+      <p:nvGrpSpPr>
+        <p:cNvPr id="1" name=""/>
+        <p:cNvGrpSpPr/>
+        <p:nvPr/>
+      </p:nvGrpSpPr>
+      <p:grpSpPr>
+        <a:xfrm>
+          <a:off x="0" y="0"/>
+          <a:ext cx="0" cy="0"/>
+          <a:chOff x="0" y="0"/>
+          <a:chExt cx="0" cy="0"/>
+        </a:xfrm>
+      </p:grpSpPr>
+      <p:sp>
+        <p:nvSpPr>
+          <p:cNvPr id="2" name="Slide Image Placeholder 1"/>
+          <p:cNvSpPr>
+            <a:spLocks noGrp="1" noRot="1" noChangeAspect="1"/>
+          </p:cNvSpPr>
+          <p:nvPr>
+            <p:ph type="sldImg"/>
+          </p:nvPr>
+        </p:nvSpPr>
+        <p:spPr/>
+      </p:sp>
+      <p:sp>
+        <p:nvSpPr>
+          <p:cNvPr id="3" name="Notes Placeholder 2"/>
+          <p:cNvSpPr>
+            <a:spLocks noGrp="1"/>
+          </p:cNvSpPr>
+          <p:nvPr>
+            <p:ph type="body" idx="1"/>
+          </p:nvPr>
+        </p:nvSpPr>
+        <p:spPr/>
+        <p:txBody>
+          <a:bodyPr/>
+          <a:lstStyle/>
+          <a:p>
+            <a:endParaRPr lang="en-US"/>
+          </a:p>
+        </p:txBody>
+      </p:sp>
+      <p:sp>
+        <p:nvSpPr>
+          <p:cNvPr id="4" name="Header Placeholder 3"/>
+          <p:cNvSpPr>
+            <a:spLocks noGrp="1"/>
+          </p:cNvSpPr>
+          <p:nvPr>
+            <p:ph type="hdr" sz="quarter" idx="10"/>
+          </p:nvPr>
+        </p:nvSpPr>
+        <p:spPr/>
+        <p:txBody>
+          <a:bodyPr/>
+          <a:lstStyle/>
+          <a:p>
+            <a:endParaRPr lang="en-US" dirty="0"/>
+          </a:p>
+        </p:txBody>
+      </p:sp>
+      <p:sp>
+        <p:nvSpPr>
+          <p:cNvPr id="5" name="Footer Placeholder 4"/>
+          <p:cNvSpPr>
+            <a:spLocks noGrp="1"/>
+          </p:cNvSpPr>
+          <p:nvPr>
+            <p:ph type="ftr" sz="quarter" idx="11"/>
+          </p:nvPr>
+        </p:nvSpPr>
+        <p:spPr/>
+        <p:txBody>
+          <a:bodyPr/>
+          <a:lstStyle/>
+          <a:p>
+            <a:pPr defTabSz="914099" eaLnBrk="0" hangingPunct="0"/>
+            <a:r>
+              <a:rPr lang="en-US" sz="400">
+                <a:gradFill>
+                  <a:gsLst>
+                    <a:gs pos="0">
+                      <a:prstClr val="black"/>
+                    </a:gs>
+                    <a:gs pos="100000">
+                      <a:prstClr val="black"/>
+                    </a:gs>
+                  </a:gsLst>
+                  <a:lin ang="5400000" scaled="0"/>
+                </a:gradFill>
+                <a:latin typeface="Segoe UI" pitchFamily="34" charset="0"/>
+                <a:ea typeface="Segoe UI" pitchFamily="34" charset="0"/>
+                <a:cs typeface="Segoe UI" pitchFamily="34" charset="0"/>
+              </a:rPr>
+              <a:t>© Microsoft Corporation. All rights reserved. MICROSOFT MAKES NO WARRANTIES, EXPRESS, IMPLIED OR STATUTORY, AS TO THE INFORMATION IN THIS PRESENTATION.</a:t>
+            </a:r>
+            <a:endParaRPr lang="en-US" sz="400" dirty="0">
+              <a:gradFill>
+                <a:gsLst>
+                  <a:gs pos="0">
+                    <a:prstClr val="black"/>
+                  </a:gs>
+                  <a:gs pos="100000">
+                    <a:prstClr val="black"/>
+                  </a:gs>
+                </a:gsLst>
+                <a:lin ang="5400000" scaled="0"/>
+              </a:gradFill>
+              <a:latin typeface="Segoe UI" pitchFamily="34" charset="0"/>
+              <a:ea typeface="Segoe UI" pitchFamily="34" charset="0"/>
+              <a:cs typeface="Segoe UI" pitchFamily="34" charset="0"/>
+            </a:endParaRPr>
+          </a:p>
+        </p:txBody>
+      </p:sp>
+      <p:sp>
+        <p:nvSpPr>
+          <p:cNvPr id="6" name="Date Placeholder 5"/>
+          <p:cNvSpPr>
+            <a:spLocks noGrp="1"/>
+          </p:cNvSpPr>
+          <p:nvPr>
+            <p:ph type="dt" idx="12"/>
+          </p:nvPr>
+        </p:nvSpPr>
+        <p:spPr/>
+        <p:txBody>
+          <a:bodyPr/>
+          <a:lstStyle/>
+          <a:p>
+            <a:fld id="{D18B56EA-E28F-4F92-9F16-7A6F2501B303}" type="datetime8">
+              <a:rPr lang="en-US" smtClean="0"/>
+              <a:t>3/4/20 6:20 PM</a:t>
+            </a:fld>
+            <a:endParaRPr lang="en-US" dirty="0"/>
+          </a:p>
+        </p:txBody>
+      </p:sp>
+      <p:sp>
+        <p:nvSpPr>
+          <p:cNvPr id="7" name="Slide Number Placeholder 6"/>
+          <p:cNvSpPr>
+            <a:spLocks noGrp="1"/>
+          </p:cNvSpPr>
+          <p:nvPr>
+            <p:ph type="sldNum" sz="quarter" idx="13"/>
+          </p:nvPr>
+        </p:nvSpPr>
+        <p:spPr/>
+        <p:txBody>
+          <a:bodyPr/>
+          <a:lstStyle/>
+          <a:p>
+            <a:fld id="{B4008EB6-D09E-4580-8CD6-DDB14511944F}" type="slidenum">
+              <a:rPr lang="en-US" smtClean="0"/>
+              <a:pPr/>
+              <a:t>9</a:t>
+            </a:fld>
+            <a:endParaRPr lang="en-US" dirty="0"/>
+          </a:p>
+        </p:txBody>
+      </p:sp>
+    </p:spTree>
+    <p:extLst>
+      <p:ext uri="{BB962C8B-B14F-4D97-AF65-F5344CB8AC3E}">
+        <p14:creationId xmlns:p14="http://schemas.microsoft.com/office/powerpoint/2010/main" val="2510823477"/>
+      </p:ext>
+    </p:extLst>
+  </p:cSld>
+  <p:clrMapOvr>
+    <a:masterClrMapping/>
+  </p:clrMapOvr>
+</p:notes>
+</file>
+
+<file path=ppt/notesSlides/notesSlide9.xml><?xml version="1.0" encoding="utf-8"?>
+<p:notes xmlns:a="http://schemas.openxmlformats.org/drawingml/2006/main" xmlns:r="http://schemas.openxmlformats.org/officeDocument/2006/relationships" xmlns:p="http://schemas.openxmlformats.org/presentationml/2006/main">
+  <p:cSld>
+    <p:spTree>
+      <p:nvGrpSpPr>
+        <p:cNvPr id="1" name=""/>
+        <p:cNvGrpSpPr/>
+        <p:nvPr/>
+      </p:nvGrpSpPr>
+      <p:grpSpPr>
+        <a:xfrm>
+          <a:off x="0" y="0"/>
+          <a:ext cx="0" cy="0"/>
+          <a:chOff x="0" y="0"/>
+          <a:chExt cx="0" cy="0"/>
+        </a:xfrm>
+      </p:grpSpPr>
+      <p:sp>
+        <p:nvSpPr>
+          <p:cNvPr id="2" name="Slide Image Placeholder 1"/>
+          <p:cNvSpPr>
+            <a:spLocks noGrp="1" noRot="1" noChangeAspect="1"/>
+          </p:cNvSpPr>
+          <p:nvPr>
+            <p:ph type="sldImg"/>
+          </p:nvPr>
+        </p:nvSpPr>
+        <p:spPr/>
+      </p:sp>
+      <p:sp>
+        <p:nvSpPr>
+          <p:cNvPr id="3" name="Notes Placeholder 2"/>
+          <p:cNvSpPr>
+            <a:spLocks noGrp="1"/>
+          </p:cNvSpPr>
+          <p:nvPr>
+            <p:ph type="body" idx="1"/>
+          </p:nvPr>
+        </p:nvSpPr>
+        <p:spPr/>
+        <p:txBody>
+          <a:bodyPr/>
+          <a:lstStyle/>
+          <a:p>
+            <a:endParaRPr lang="en-US"/>
+          </a:p>
+        </p:txBody>
+      </p:sp>
+      <p:sp>
+        <p:nvSpPr>
+          <p:cNvPr id="4" name="Header Placeholder 3"/>
+          <p:cNvSpPr>
+            <a:spLocks noGrp="1"/>
+          </p:cNvSpPr>
+          <p:nvPr>
+            <p:ph type="hdr" sz="quarter" idx="10"/>
+          </p:nvPr>
+        </p:nvSpPr>
+        <p:spPr/>
+        <p:txBody>
+          <a:bodyPr/>
+          <a:lstStyle/>
+          <a:p>
+            <a:endParaRPr lang="en-US" dirty="0"/>
+          </a:p>
+        </p:txBody>
+      </p:sp>
+      <p:sp>
+        <p:nvSpPr>
+          <p:cNvPr id="5" name="Footer Placeholder 4"/>
+          <p:cNvSpPr>
+            <a:spLocks noGrp="1"/>
+          </p:cNvSpPr>
+          <p:nvPr>
+            <p:ph type="ftr" sz="quarter" idx="11"/>
+          </p:nvPr>
+        </p:nvSpPr>
+        <p:spPr/>
+        <p:txBody>
+          <a:bodyPr/>
+          <a:lstStyle/>
+          <a:p>
+            <a:pPr defTabSz="914099" eaLnBrk="0" hangingPunct="0"/>
+            <a:r>
+              <a:rPr lang="en-US" sz="400">
+                <a:gradFill>
+                  <a:gsLst>
+                    <a:gs pos="0">
+                      <a:prstClr val="black"/>
+                    </a:gs>
+                    <a:gs pos="100000">
+                      <a:prstClr val="black"/>
+                    </a:gs>
+                  </a:gsLst>
+                  <a:lin ang="5400000" scaled="0"/>
+                </a:gradFill>
+                <a:latin typeface="Segoe UI" pitchFamily="34" charset="0"/>
+                <a:ea typeface="Segoe UI" pitchFamily="34" charset="0"/>
+                <a:cs typeface="Segoe UI" pitchFamily="34" charset="0"/>
+              </a:rPr>
+              <a:t>© Microsoft Corporation. All rights reserved. MICROSOFT MAKES NO WARRANTIES, EXPRESS, IMPLIED OR STATUTORY, AS TO THE INFORMATION IN THIS PRESENTATION.</a:t>
+            </a:r>
+            <a:endParaRPr lang="en-US" sz="400" dirty="0">
+              <a:gradFill>
+                <a:gsLst>
+                  <a:gs pos="0">
+                    <a:prstClr val="black"/>
+                  </a:gs>
+                  <a:gs pos="100000">
+                    <a:prstClr val="black"/>
+                  </a:gs>
+                </a:gsLst>
+                <a:lin ang="5400000" scaled="0"/>
+              </a:gradFill>
+              <a:latin typeface="Segoe UI" pitchFamily="34" charset="0"/>
+              <a:ea typeface="Segoe UI" pitchFamily="34" charset="0"/>
+              <a:cs typeface="Segoe UI" pitchFamily="34" charset="0"/>
+            </a:endParaRPr>
+          </a:p>
+        </p:txBody>
+      </p:sp>
+      <p:sp>
+        <p:nvSpPr>
+          <p:cNvPr id="6" name="Date Placeholder 5"/>
+          <p:cNvSpPr>
+            <a:spLocks noGrp="1"/>
+          </p:cNvSpPr>
+          <p:nvPr>
+            <p:ph type="dt" idx="12"/>
+          </p:nvPr>
+        </p:nvSpPr>
+        <p:spPr/>
+        <p:txBody>
+          <a:bodyPr/>
+          <a:lstStyle/>
+          <a:p>
+            <a:fld id="{D18B56EA-E28F-4F92-9F16-7A6F2501B303}" type="datetime8">
+              <a:rPr lang="en-US" smtClean="0"/>
+              <a:t>3/4/20 6:20 PM</a:t>
             </a:fld>
             <a:endParaRPr lang="en-US" dirty="0"/>
           </a:p>
@@ -14577,7 +15108,7 @@
       </a:lvl9pPr>
     </p:otherStyle>
   </p:txStyles>
-  <p:extLst mod="1">
+  <p:extLst>
     <p:ext uri="{27BBF7A9-308A-43DC-89C8-2F10F3537804}">
       <p15:sldGuideLst xmlns:p15="http://schemas.microsoft.com/office/powerpoint/2012/main">
         <p15:guide id="3" pos="1381" userDrawn="1">
